--- a/in_class_slides/geog4300_W04-1 Point pattern analysis and MAUP.pptx
+++ b/in_class_slides/geog4300_W04-1 Point pattern analysis and MAUP.pptx
@@ -14,8 +14,8 @@
     <p:sldId id="284" r:id="rId5"/>
     <p:sldId id="285" r:id="rId6"/>
     <p:sldId id="286" r:id="rId7"/>
-    <p:sldId id="287" r:id="rId8"/>
-    <p:sldId id="289" r:id="rId9"/>
+    <p:sldId id="289" r:id="rId8"/>
+    <p:sldId id="287" r:id="rId9"/>
     <p:sldId id="288" r:id="rId10"/>
   </p:sldIdLst>
   <p:sldSz cx="12192000" cy="6858000"/>
@@ -205,7 +205,7 @@
           <a:p>
             <a:fld id="{F1C23026-85D4-48E8-9219-18000F688023}" type="datetimeFigureOut">
               <a:rPr lang="en-US" smtClean="0"/>
-              <a:t>9/14/2021</a:t>
+              <a:t>9/15/2022</a:t>
             </a:fld>
             <a:endParaRPr lang="en-US"/>
           </a:p>
@@ -657,7 +657,7 @@
           <a:p>
             <a:fld id="{93C8B963-0F36-48FC-991E-AA63861DA924}" type="datetimeFigureOut">
               <a:rPr lang="en-US" smtClean="0"/>
-              <a:t>9/14/2021</a:t>
+              <a:t>9/15/2022</a:t>
             </a:fld>
             <a:endParaRPr lang="en-US"/>
           </a:p>
@@ -955,7 +955,7 @@
           <a:p>
             <a:fld id="{93C8B963-0F36-48FC-991E-AA63861DA924}" type="datetimeFigureOut">
               <a:rPr lang="en-US" smtClean="0"/>
-              <a:t>9/14/2021</a:t>
+              <a:t>9/15/2022</a:t>
             </a:fld>
             <a:endParaRPr lang="en-US"/>
           </a:p>
@@ -1147,7 +1147,7 @@
           <a:p>
             <a:fld id="{93C8B963-0F36-48FC-991E-AA63861DA924}" type="datetimeFigureOut">
               <a:rPr lang="en-US" smtClean="0"/>
-              <a:t>9/14/2021</a:t>
+              <a:t>9/15/2022</a:t>
             </a:fld>
             <a:endParaRPr lang="en-US"/>
           </a:p>
@@ -1408,7 +1408,7 @@
           <a:p>
             <a:fld id="{93C8B963-0F36-48FC-991E-AA63861DA924}" type="datetimeFigureOut">
               <a:rPr lang="en-US" smtClean="0"/>
-              <a:t>9/14/2021</a:t>
+              <a:t>9/15/2022</a:t>
             </a:fld>
             <a:endParaRPr lang="en-US"/>
           </a:p>
@@ -1832,7 +1832,7 @@
           <a:p>
             <a:fld id="{93C8B963-0F36-48FC-991E-AA63861DA924}" type="datetimeFigureOut">
               <a:rPr lang="en-US" smtClean="0"/>
-              <a:t>9/14/2021</a:t>
+              <a:t>9/15/2022</a:t>
             </a:fld>
             <a:endParaRPr lang="en-US"/>
           </a:p>
@@ -2369,7 +2369,7 @@
           <a:p>
             <a:fld id="{93C8B963-0F36-48FC-991E-AA63861DA924}" type="datetimeFigureOut">
               <a:rPr lang="en-US" smtClean="0"/>
-              <a:t>9/14/2021</a:t>
+              <a:t>9/15/2022</a:t>
             </a:fld>
             <a:endParaRPr lang="en-US"/>
           </a:p>
@@ -3233,7 +3233,7 @@
           <a:p>
             <a:fld id="{93C8B963-0F36-48FC-991E-AA63861DA924}" type="datetimeFigureOut">
               <a:rPr lang="en-US" smtClean="0"/>
-              <a:t>9/14/2021</a:t>
+              <a:t>9/15/2022</a:t>
             </a:fld>
             <a:endParaRPr lang="en-US"/>
           </a:p>
@@ -3403,7 +3403,7 @@
           <a:p>
             <a:fld id="{93C8B963-0F36-48FC-991E-AA63861DA924}" type="datetimeFigureOut">
               <a:rPr lang="en-US" smtClean="0"/>
-              <a:t>9/14/2021</a:t>
+              <a:t>9/15/2022</a:t>
             </a:fld>
             <a:endParaRPr lang="en-US"/>
           </a:p>
@@ -3587,7 +3587,7 @@
           <a:p>
             <a:fld id="{93C8B963-0F36-48FC-991E-AA63861DA924}" type="datetimeFigureOut">
               <a:rPr lang="en-US" smtClean="0"/>
-              <a:t>9/14/2021</a:t>
+              <a:t>9/15/2022</a:t>
             </a:fld>
             <a:endParaRPr lang="en-US"/>
           </a:p>
@@ -3757,7 +3757,7 @@
           <a:p>
             <a:fld id="{93C8B963-0F36-48FC-991E-AA63861DA924}" type="datetimeFigureOut">
               <a:rPr lang="en-US" smtClean="0"/>
-              <a:t>9/14/2021</a:t>
+              <a:t>9/15/2022</a:t>
             </a:fld>
             <a:endParaRPr lang="en-US"/>
           </a:p>
@@ -4001,7 +4001,7 @@
           <a:p>
             <a:fld id="{93C8B963-0F36-48FC-991E-AA63861DA924}" type="datetimeFigureOut">
               <a:rPr lang="en-US" smtClean="0"/>
-              <a:t>9/14/2021</a:t>
+              <a:t>9/15/2022</a:t>
             </a:fld>
             <a:endParaRPr lang="en-US"/>
           </a:p>
@@ -4237,7 +4237,7 @@
           <a:p>
             <a:fld id="{93C8B963-0F36-48FC-991E-AA63861DA924}" type="datetimeFigureOut">
               <a:rPr lang="en-US" smtClean="0"/>
-              <a:t>9/14/2021</a:t>
+              <a:t>9/15/2022</a:t>
             </a:fld>
             <a:endParaRPr lang="en-US"/>
           </a:p>
@@ -4703,7 +4703,7 @@
           <a:p>
             <a:fld id="{93C8B963-0F36-48FC-991E-AA63861DA924}" type="datetimeFigureOut">
               <a:rPr lang="en-US" smtClean="0"/>
-              <a:t>9/14/2021</a:t>
+              <a:t>9/15/2022</a:t>
             </a:fld>
             <a:endParaRPr lang="en-US"/>
           </a:p>
@@ -4821,7 +4821,7 @@
           <a:p>
             <a:fld id="{93C8B963-0F36-48FC-991E-AA63861DA924}" type="datetimeFigureOut">
               <a:rPr lang="en-US" smtClean="0"/>
-              <a:t>9/14/2021</a:t>
+              <a:t>9/15/2022</a:t>
             </a:fld>
             <a:endParaRPr lang="en-US"/>
           </a:p>
@@ -4916,7 +4916,7 @@
           <a:p>
             <a:fld id="{93C8B963-0F36-48FC-991E-AA63861DA924}" type="datetimeFigureOut">
               <a:rPr lang="en-US" smtClean="0"/>
-              <a:t>9/14/2021</a:t>
+              <a:t>9/15/2022</a:t>
             </a:fld>
             <a:endParaRPr lang="en-US"/>
           </a:p>
@@ -5171,7 +5171,7 @@
           <a:p>
             <a:fld id="{93C8B963-0F36-48FC-991E-AA63861DA924}" type="datetimeFigureOut">
               <a:rPr lang="en-US" smtClean="0"/>
-              <a:t>9/14/2021</a:t>
+              <a:t>9/15/2022</a:t>
             </a:fld>
             <a:endParaRPr lang="en-US"/>
           </a:p>
@@ -5471,7 +5471,7 @@
           <a:p>
             <a:fld id="{93C8B963-0F36-48FC-991E-AA63861DA924}" type="datetimeFigureOut">
               <a:rPr lang="en-US" smtClean="0"/>
-              <a:t>9/14/2021</a:t>
+              <a:t>9/15/2022</a:t>
             </a:fld>
             <a:endParaRPr lang="en-US"/>
           </a:p>
@@ -5705,7 +5705,7 @@
           <a:p>
             <a:fld id="{93C8B963-0F36-48FC-991E-AA63861DA924}" type="datetimeFigureOut">
               <a:rPr lang="en-US" smtClean="0"/>
-              <a:t>9/14/2021</a:t>
+              <a:t>9/15/2022</a:t>
             </a:fld>
             <a:endParaRPr lang="en-US"/>
           </a:p>
@@ -7165,31 +7165,31 @@
           <a:p>
             <a:r>
               <a:rPr lang="en-US" sz="2800" dirty="0"/>
-              <a:t>Create a </a:t>
-            </a:r>
-            <a:r>
-              <a:rPr lang="en-US" sz="2800" dirty="0" err="1"/>
-              <a:t>quadrad</a:t>
-            </a:r>
+              <a:t>Create a quadrat grid of 1, 1.5, or 2 inch squares</a:t>
+            </a:r>
+          </a:p>
+          <a:p>
             <a:r>
               <a:rPr lang="en-US" sz="2800" dirty="0"/>
-              <a:t> grid of 1, 1.5, or 2 inch squares</a:t>
-            </a:r>
-          </a:p>
-          <a:p>
+              <a:t>Count the total of </a:t>
+            </a:r>
+            <a:r>
+              <a:rPr lang="en-US" sz="2800" u="sng" dirty="0"/>
+              <a:t>all</a:t>
+            </a:r>
             <a:r>
               <a:rPr lang="en-US" sz="2800" dirty="0"/>
-              <a:t>Count the total stores in each grid cell</a:t>
+              <a:t> stores in each grid cell</a:t>
             </a:r>
           </a:p>
         </p:txBody>
       </p:sp>
       <p:pic>
         <p:nvPicPr>
-          <p:cNvPr id="2" name="Picture 1">
+          <p:cNvPr id="5" name="Picture 4">
             <a:extLst>
               <a:ext uri="{FF2B5EF4-FFF2-40B4-BE49-F238E27FC236}">
-                <a16:creationId xmlns:a16="http://schemas.microsoft.com/office/drawing/2014/main" id="{32DC1C1C-D58B-4C89-A946-8BAAECE29093}"/>
+                <a16:creationId xmlns:a16="http://schemas.microsoft.com/office/drawing/2014/main" id="{7E1298B3-8D26-49D4-B154-8FDEBFB8F905}"/>
               </a:ext>
             </a:extLst>
           </p:cNvPr>
@@ -7199,15 +7199,21 @@
           <p:nvPr/>
         </p:nvPicPr>
         <p:blipFill>
-          <a:blip r:embed="rId2"/>
+          <a:blip r:embed="rId2">
+            <a:extLst>
+              <a:ext uri="{28A0092B-C50C-407E-A947-70E740481C1C}">
+                <a14:useLocalDpi xmlns:a14="http://schemas.microsoft.com/office/drawing/2010/main" val="0"/>
+              </a:ext>
+            </a:extLst>
+          </a:blip>
           <a:stretch>
             <a:fillRect/>
           </a:stretch>
         </p:blipFill>
         <p:spPr>
           <a:xfrm>
-            <a:off x="4093827" y="2199106"/>
-            <a:ext cx="6427450" cy="4596979"/>
+            <a:off x="5539493" y="2432623"/>
+            <a:ext cx="6170427" cy="4363462"/>
           </a:xfrm>
           <a:prstGeom prst="rect">
             <a:avLst/>
@@ -7325,36 +7331,6 @@
           </a:p>
         </p:txBody>
       </p:sp>
-      <p:pic>
-        <p:nvPicPr>
-          <p:cNvPr id="2" name="Picture 1">
-            <a:extLst>
-              <a:ext uri="{FF2B5EF4-FFF2-40B4-BE49-F238E27FC236}">
-                <a16:creationId xmlns:a16="http://schemas.microsoft.com/office/drawing/2014/main" id="{32DC1C1C-D58B-4C89-A946-8BAAECE29093}"/>
-              </a:ext>
-            </a:extLst>
-          </p:cNvPr>
-          <p:cNvPicPr>
-            <a:picLocks noChangeAspect="1"/>
-          </p:cNvPicPr>
-          <p:nvPr/>
-        </p:nvPicPr>
-        <p:blipFill>
-          <a:blip r:embed="rId2"/>
-          <a:stretch>
-            <a:fillRect/>
-          </a:stretch>
-        </p:blipFill>
-        <p:spPr>
-          <a:xfrm>
-            <a:off x="5603845" y="2199106"/>
-            <a:ext cx="6427450" cy="4596979"/>
-          </a:xfrm>
-          <a:prstGeom prst="rect">
-            <a:avLst/>
-          </a:prstGeom>
-        </p:spPr>
-      </p:pic>
       <p:sp>
         <p:nvSpPr>
           <p:cNvPr id="5" name="Rectangle 4">
@@ -7410,8 +7386,8 @@
           </a:p>
         </p:txBody>
       </p:sp>
-      <mc:AlternateContent xmlns:mc="http://schemas.openxmlformats.org/markup-compatibility/2006">
-        <mc:Choice xmlns:a14="http://schemas.microsoft.com/office/drawing/2010/main" Requires="a14">
+      <mc:AlternateContent xmlns:mc="http://schemas.openxmlformats.org/markup-compatibility/2006" xmlns:a14="http://schemas.microsoft.com/office/drawing/2010/main">
+        <mc:Choice Requires="a14">
           <p:sp>
             <p:nvSpPr>
               <p:cNvPr id="4" name="Rectangle 3">
@@ -7439,6 +7415,7 @@
               </a:bodyPr>
               <a:lstStyle/>
               <a:p>
+                <a:pPr/>
                 <a14:m>
                   <m:oMathPara xmlns:m="http://schemas.openxmlformats.org/officeDocument/2006/math">
                     <m:oMathParaPr>
@@ -7528,7 +7505,7 @@
             </p:txBody>
           </p:sp>
         </mc:Choice>
-        <mc:Fallback>
+        <mc:Fallback xmlns="">
           <p:sp>
             <p:nvSpPr>
               <p:cNvPr id="4" name="Rectangle 3">
@@ -7573,6 +7550,42 @@
           </p:sp>
         </mc:Fallback>
       </mc:AlternateContent>
+      <p:pic>
+        <p:nvPicPr>
+          <p:cNvPr id="7" name="Picture 6">
+            <a:extLst>
+              <a:ext uri="{FF2B5EF4-FFF2-40B4-BE49-F238E27FC236}">
+                <a16:creationId xmlns:a16="http://schemas.microsoft.com/office/drawing/2014/main" id="{EA817E69-CAB7-4843-BED1-8D4B2680E5D9}"/>
+              </a:ext>
+            </a:extLst>
+          </p:cNvPr>
+          <p:cNvPicPr>
+            <a:picLocks noChangeAspect="1"/>
+          </p:cNvPicPr>
+          <p:nvPr/>
+        </p:nvPicPr>
+        <p:blipFill>
+          <a:blip r:embed="rId4">
+            <a:extLst>
+              <a:ext uri="{28A0092B-C50C-407E-A947-70E740481C1C}">
+                <a14:useLocalDpi xmlns:a14="http://schemas.microsoft.com/office/drawing/2010/main" val="0"/>
+              </a:ext>
+            </a:extLst>
+          </a:blip>
+          <a:stretch>
+            <a:fillRect/>
+          </a:stretch>
+        </p:blipFill>
+        <p:spPr>
+          <a:xfrm>
+            <a:off x="5846260" y="2432623"/>
+            <a:ext cx="6170427" cy="4363462"/>
+          </a:xfrm>
+          <a:prstGeom prst="rect">
+            <a:avLst/>
+          </a:prstGeom>
+        </p:spPr>
+      </p:pic>
     </p:spTree>
     <p:extLst>
       <p:ext uri="{BB962C8B-B14F-4D97-AF65-F5344CB8AC3E}">
@@ -7618,6 +7631,138 @@
         <p:spPr>
           <a:xfrm>
             <a:off x="226503" y="167780"/>
+            <a:ext cx="7428637" cy="646331"/>
+          </a:xfrm>
+          <a:prstGeom prst="rect">
+            <a:avLst/>
+          </a:prstGeom>
+          <a:noFill/>
+        </p:spPr>
+        <p:txBody>
+          <a:bodyPr wrap="none" rtlCol="0">
+            <a:spAutoFit/>
+          </a:bodyPr>
+          <a:lstStyle/>
+          <a:p>
+            <a:r>
+              <a:rPr lang="en-US" sz="3600" b="1" dirty="0"/>
+              <a:t>The Modifiable Areal Unit Problem</a:t>
+            </a:r>
+          </a:p>
+        </p:txBody>
+      </p:sp>
+      <p:sp>
+        <p:nvSpPr>
+          <p:cNvPr id="8" name="Rectangle 7">
+            <a:extLst>
+              <a:ext uri="{FF2B5EF4-FFF2-40B4-BE49-F238E27FC236}">
+                <a16:creationId xmlns:a16="http://schemas.microsoft.com/office/drawing/2014/main" id="{D4F18F7E-6B87-4776-849F-EB88CF60DA92}"/>
+              </a:ext>
+            </a:extLst>
+          </p:cNvPr>
+          <p:cNvSpPr/>
+          <p:nvPr/>
+        </p:nvSpPr>
+        <p:spPr>
+          <a:xfrm>
+            <a:off x="427838" y="814111"/>
+            <a:ext cx="11107023" cy="523220"/>
+          </a:xfrm>
+          <a:prstGeom prst="rect">
+            <a:avLst/>
+          </a:prstGeom>
+        </p:spPr>
+        <p:txBody>
+          <a:bodyPr wrap="square">
+            <a:spAutoFit/>
+          </a:bodyPr>
+          <a:lstStyle/>
+          <a:p>
+            <a:r>
+              <a:rPr lang="en-US" sz="2800" dirty="0"/>
+              <a:t>How did our quadrat maps vary?</a:t>
+            </a:r>
+          </a:p>
+        </p:txBody>
+      </p:sp>
+      <p:pic>
+        <p:nvPicPr>
+          <p:cNvPr id="5" name="Shape 237" descr="http://openi.nlm.nih.gov/imgs/rescaled512/2872318_ijerph-07-01002f2.png">
+            <a:extLst>
+              <a:ext uri="{FF2B5EF4-FFF2-40B4-BE49-F238E27FC236}">
+                <a16:creationId xmlns:a16="http://schemas.microsoft.com/office/drawing/2014/main" id="{BCCD4620-31DB-4BCC-B32E-E1A8C8C940F1}"/>
+              </a:ext>
+            </a:extLst>
+          </p:cNvPr>
+          <p:cNvPicPr preferRelativeResize="0"/>
+          <p:nvPr/>
+        </p:nvPicPr>
+        <p:blipFill rotWithShape="1">
+          <a:blip r:embed="rId2">
+            <a:alphaModFix/>
+          </a:blip>
+          <a:srcRect/>
+          <a:stretch/>
+        </p:blipFill>
+        <p:spPr>
+          <a:xfrm>
+            <a:off x="7856475" y="0"/>
+            <a:ext cx="4335525" cy="6858000"/>
+          </a:xfrm>
+          <a:prstGeom prst="rect">
+            <a:avLst/>
+          </a:prstGeom>
+          <a:noFill/>
+          <a:ln>
+            <a:noFill/>
+          </a:ln>
+        </p:spPr>
+      </p:pic>
+    </p:spTree>
+    <p:extLst>
+      <p:ext uri="{BB962C8B-B14F-4D97-AF65-F5344CB8AC3E}">
+        <p14:creationId xmlns:p14="http://schemas.microsoft.com/office/powerpoint/2010/main" val="1646718788"/>
+      </p:ext>
+    </p:extLst>
+  </p:cSld>
+  <p:clrMapOvr>
+    <a:masterClrMapping/>
+  </p:clrMapOvr>
+</p:sld>
+</file>
+
+<file path=ppt/slides/slide8.xml><?xml version="1.0" encoding="utf-8"?>
+<p:sld xmlns:a="http://schemas.openxmlformats.org/drawingml/2006/main" xmlns:r="http://schemas.openxmlformats.org/officeDocument/2006/relationships" xmlns:p="http://schemas.openxmlformats.org/presentationml/2006/main">
+  <p:cSld>
+    <p:spTree>
+      <p:nvGrpSpPr>
+        <p:cNvPr id="1" name=""/>
+        <p:cNvGrpSpPr/>
+        <p:nvPr/>
+      </p:nvGrpSpPr>
+      <p:grpSpPr>
+        <a:xfrm>
+          <a:off x="0" y="0"/>
+          <a:ext cx="0" cy="0"/>
+          <a:chOff x="0" y="0"/>
+          <a:chExt cx="0" cy="0"/>
+        </a:xfrm>
+      </p:grpSpPr>
+      <p:sp>
+        <p:nvSpPr>
+          <p:cNvPr id="6" name="TextBox 5">
+            <a:extLst>
+              <a:ext uri="{FF2B5EF4-FFF2-40B4-BE49-F238E27FC236}">
+                <a16:creationId xmlns:a16="http://schemas.microsoft.com/office/drawing/2014/main" id="{712AC8CF-13A3-4593-9053-122027377F90}"/>
+              </a:ext>
+            </a:extLst>
+          </p:cNvPr>
+          <p:cNvSpPr txBox="1"/>
+          <p:nvPr/>
+        </p:nvSpPr>
+        <p:spPr>
+          <a:xfrm>
+            <a:off x="226503" y="167780"/>
             <a:ext cx="2696572" cy="646331"/>
           </a:xfrm>
           <a:prstGeom prst="rect">
@@ -7747,138 +7892,6 @@
 </p:sld>
 </file>
 
-<file path=ppt/slides/slide8.xml><?xml version="1.0" encoding="utf-8"?>
-<p:sld xmlns:a="http://schemas.openxmlformats.org/drawingml/2006/main" xmlns:r="http://schemas.openxmlformats.org/officeDocument/2006/relationships" xmlns:p="http://schemas.openxmlformats.org/presentationml/2006/main">
-  <p:cSld>
-    <p:spTree>
-      <p:nvGrpSpPr>
-        <p:cNvPr id="1" name=""/>
-        <p:cNvGrpSpPr/>
-        <p:nvPr/>
-      </p:nvGrpSpPr>
-      <p:grpSpPr>
-        <a:xfrm>
-          <a:off x="0" y="0"/>
-          <a:ext cx="0" cy="0"/>
-          <a:chOff x="0" y="0"/>
-          <a:chExt cx="0" cy="0"/>
-        </a:xfrm>
-      </p:grpSpPr>
-      <p:sp>
-        <p:nvSpPr>
-          <p:cNvPr id="6" name="TextBox 5">
-            <a:extLst>
-              <a:ext uri="{FF2B5EF4-FFF2-40B4-BE49-F238E27FC236}">
-                <a16:creationId xmlns:a16="http://schemas.microsoft.com/office/drawing/2014/main" id="{712AC8CF-13A3-4593-9053-122027377F90}"/>
-              </a:ext>
-            </a:extLst>
-          </p:cNvPr>
-          <p:cNvSpPr txBox="1"/>
-          <p:nvPr/>
-        </p:nvSpPr>
-        <p:spPr>
-          <a:xfrm>
-            <a:off x="226503" y="167780"/>
-            <a:ext cx="7428637" cy="646331"/>
-          </a:xfrm>
-          <a:prstGeom prst="rect">
-            <a:avLst/>
-          </a:prstGeom>
-          <a:noFill/>
-        </p:spPr>
-        <p:txBody>
-          <a:bodyPr wrap="none" rtlCol="0">
-            <a:spAutoFit/>
-          </a:bodyPr>
-          <a:lstStyle/>
-          <a:p>
-            <a:r>
-              <a:rPr lang="en-US" sz="3600" b="1" dirty="0"/>
-              <a:t>The Modifiable Areal Unit Problem</a:t>
-            </a:r>
-          </a:p>
-        </p:txBody>
-      </p:sp>
-      <p:sp>
-        <p:nvSpPr>
-          <p:cNvPr id="8" name="Rectangle 7">
-            <a:extLst>
-              <a:ext uri="{FF2B5EF4-FFF2-40B4-BE49-F238E27FC236}">
-                <a16:creationId xmlns:a16="http://schemas.microsoft.com/office/drawing/2014/main" id="{D4F18F7E-6B87-4776-849F-EB88CF60DA92}"/>
-              </a:ext>
-            </a:extLst>
-          </p:cNvPr>
-          <p:cNvSpPr/>
-          <p:nvPr/>
-        </p:nvSpPr>
-        <p:spPr>
-          <a:xfrm>
-            <a:off x="427838" y="814111"/>
-            <a:ext cx="11107023" cy="523220"/>
-          </a:xfrm>
-          <a:prstGeom prst="rect">
-            <a:avLst/>
-          </a:prstGeom>
-        </p:spPr>
-        <p:txBody>
-          <a:bodyPr wrap="square">
-            <a:spAutoFit/>
-          </a:bodyPr>
-          <a:lstStyle/>
-          <a:p>
-            <a:r>
-              <a:rPr lang="en-US" sz="2800" dirty="0"/>
-              <a:t>How did our quadrat maps vary?</a:t>
-            </a:r>
-          </a:p>
-        </p:txBody>
-      </p:sp>
-      <p:pic>
-        <p:nvPicPr>
-          <p:cNvPr id="5" name="Shape 237" descr="http://openi.nlm.nih.gov/imgs/rescaled512/2872318_ijerph-07-01002f2.png">
-            <a:extLst>
-              <a:ext uri="{FF2B5EF4-FFF2-40B4-BE49-F238E27FC236}">
-                <a16:creationId xmlns:a16="http://schemas.microsoft.com/office/drawing/2014/main" id="{BCCD4620-31DB-4BCC-B32E-E1A8C8C940F1}"/>
-              </a:ext>
-            </a:extLst>
-          </p:cNvPr>
-          <p:cNvPicPr preferRelativeResize="0"/>
-          <p:nvPr/>
-        </p:nvPicPr>
-        <p:blipFill rotWithShape="1">
-          <a:blip r:embed="rId2">
-            <a:alphaModFix/>
-          </a:blip>
-          <a:srcRect/>
-          <a:stretch/>
-        </p:blipFill>
-        <p:spPr>
-          <a:xfrm>
-            <a:off x="7856475" y="0"/>
-            <a:ext cx="4335525" cy="6858000"/>
-          </a:xfrm>
-          <a:prstGeom prst="rect">
-            <a:avLst/>
-          </a:prstGeom>
-          <a:noFill/>
-          <a:ln>
-            <a:noFill/>
-          </a:ln>
-        </p:spPr>
-      </p:pic>
-    </p:spTree>
-    <p:extLst>
-      <p:ext uri="{BB962C8B-B14F-4D97-AF65-F5344CB8AC3E}">
-        <p14:creationId xmlns:p14="http://schemas.microsoft.com/office/powerpoint/2010/main" val="1646718788"/>
-      </p:ext>
-    </p:extLst>
-  </p:cSld>
-  <p:clrMapOvr>
-    <a:masterClrMapping/>
-  </p:clrMapOvr>
-</p:sld>
-</file>
-
 <file path=ppt/slides/slide9.xml><?xml version="1.0" encoding="utf-8"?>
 <p:sld xmlns:a="http://schemas.openxmlformats.org/drawingml/2006/main" xmlns:r="http://schemas.openxmlformats.org/officeDocument/2006/relationships" xmlns:p="http://schemas.openxmlformats.org/presentationml/2006/main">
   <p:cSld>
@@ -8000,7 +8013,7 @@
             </a:pPr>
             <a:r>
               <a:rPr lang="en-US" sz="2800" dirty="0"/>
-              <a:t>Creating a kernel density/hot spot map</a:t>
+              <a:t>Bonus: Creating a quadrat map</a:t>
             </a:r>
           </a:p>
         </p:txBody>

--- a/in_class_slides/geog4300_W04-1 Point pattern analysis and MAUP.pptx
+++ b/in_class_slides/geog4300_W04-1 Point pattern analysis and MAUP.pptx
@@ -205,7 +205,7 @@
           <a:p>
             <a:fld id="{F1C23026-85D4-48E8-9219-18000F688023}" type="datetimeFigureOut">
               <a:rPr lang="en-US" smtClean="0"/>
-              <a:t>9/15/2022</a:t>
+              <a:t>9/20/2022</a:t>
             </a:fld>
             <a:endParaRPr lang="en-US"/>
           </a:p>
@@ -657,7 +657,7 @@
           <a:p>
             <a:fld id="{93C8B963-0F36-48FC-991E-AA63861DA924}" type="datetimeFigureOut">
               <a:rPr lang="en-US" smtClean="0"/>
-              <a:t>9/15/2022</a:t>
+              <a:t>9/20/2022</a:t>
             </a:fld>
             <a:endParaRPr lang="en-US"/>
           </a:p>
@@ -955,7 +955,7 @@
           <a:p>
             <a:fld id="{93C8B963-0F36-48FC-991E-AA63861DA924}" type="datetimeFigureOut">
               <a:rPr lang="en-US" smtClean="0"/>
-              <a:t>9/15/2022</a:t>
+              <a:t>9/20/2022</a:t>
             </a:fld>
             <a:endParaRPr lang="en-US"/>
           </a:p>
@@ -1147,7 +1147,7 @@
           <a:p>
             <a:fld id="{93C8B963-0F36-48FC-991E-AA63861DA924}" type="datetimeFigureOut">
               <a:rPr lang="en-US" smtClean="0"/>
-              <a:t>9/15/2022</a:t>
+              <a:t>9/20/2022</a:t>
             </a:fld>
             <a:endParaRPr lang="en-US"/>
           </a:p>
@@ -1408,7 +1408,7 @@
           <a:p>
             <a:fld id="{93C8B963-0F36-48FC-991E-AA63861DA924}" type="datetimeFigureOut">
               <a:rPr lang="en-US" smtClean="0"/>
-              <a:t>9/15/2022</a:t>
+              <a:t>9/20/2022</a:t>
             </a:fld>
             <a:endParaRPr lang="en-US"/>
           </a:p>
@@ -1832,7 +1832,7 @@
           <a:p>
             <a:fld id="{93C8B963-0F36-48FC-991E-AA63861DA924}" type="datetimeFigureOut">
               <a:rPr lang="en-US" smtClean="0"/>
-              <a:t>9/15/2022</a:t>
+              <a:t>9/20/2022</a:t>
             </a:fld>
             <a:endParaRPr lang="en-US"/>
           </a:p>
@@ -2369,7 +2369,7 @@
           <a:p>
             <a:fld id="{93C8B963-0F36-48FC-991E-AA63861DA924}" type="datetimeFigureOut">
               <a:rPr lang="en-US" smtClean="0"/>
-              <a:t>9/15/2022</a:t>
+              <a:t>9/20/2022</a:t>
             </a:fld>
             <a:endParaRPr lang="en-US"/>
           </a:p>
@@ -3233,7 +3233,7 @@
           <a:p>
             <a:fld id="{93C8B963-0F36-48FC-991E-AA63861DA924}" type="datetimeFigureOut">
               <a:rPr lang="en-US" smtClean="0"/>
-              <a:t>9/15/2022</a:t>
+              <a:t>9/20/2022</a:t>
             </a:fld>
             <a:endParaRPr lang="en-US"/>
           </a:p>
@@ -3403,7 +3403,7 @@
           <a:p>
             <a:fld id="{93C8B963-0F36-48FC-991E-AA63861DA924}" type="datetimeFigureOut">
               <a:rPr lang="en-US" smtClean="0"/>
-              <a:t>9/15/2022</a:t>
+              <a:t>9/20/2022</a:t>
             </a:fld>
             <a:endParaRPr lang="en-US"/>
           </a:p>
@@ -3587,7 +3587,7 @@
           <a:p>
             <a:fld id="{93C8B963-0F36-48FC-991E-AA63861DA924}" type="datetimeFigureOut">
               <a:rPr lang="en-US" smtClean="0"/>
-              <a:t>9/15/2022</a:t>
+              <a:t>9/20/2022</a:t>
             </a:fld>
             <a:endParaRPr lang="en-US"/>
           </a:p>
@@ -3757,7 +3757,7 @@
           <a:p>
             <a:fld id="{93C8B963-0F36-48FC-991E-AA63861DA924}" type="datetimeFigureOut">
               <a:rPr lang="en-US" smtClean="0"/>
-              <a:t>9/15/2022</a:t>
+              <a:t>9/20/2022</a:t>
             </a:fld>
             <a:endParaRPr lang="en-US"/>
           </a:p>
@@ -4001,7 +4001,7 @@
           <a:p>
             <a:fld id="{93C8B963-0F36-48FC-991E-AA63861DA924}" type="datetimeFigureOut">
               <a:rPr lang="en-US" smtClean="0"/>
-              <a:t>9/15/2022</a:t>
+              <a:t>9/20/2022</a:t>
             </a:fld>
             <a:endParaRPr lang="en-US"/>
           </a:p>
@@ -4237,7 +4237,7 @@
           <a:p>
             <a:fld id="{93C8B963-0F36-48FC-991E-AA63861DA924}" type="datetimeFigureOut">
               <a:rPr lang="en-US" smtClean="0"/>
-              <a:t>9/15/2022</a:t>
+              <a:t>9/20/2022</a:t>
             </a:fld>
             <a:endParaRPr lang="en-US"/>
           </a:p>
@@ -4703,7 +4703,7 @@
           <a:p>
             <a:fld id="{93C8B963-0F36-48FC-991E-AA63861DA924}" type="datetimeFigureOut">
               <a:rPr lang="en-US" smtClean="0"/>
-              <a:t>9/15/2022</a:t>
+              <a:t>9/20/2022</a:t>
             </a:fld>
             <a:endParaRPr lang="en-US"/>
           </a:p>
@@ -4821,7 +4821,7 @@
           <a:p>
             <a:fld id="{93C8B963-0F36-48FC-991E-AA63861DA924}" type="datetimeFigureOut">
               <a:rPr lang="en-US" smtClean="0"/>
-              <a:t>9/15/2022</a:t>
+              <a:t>9/20/2022</a:t>
             </a:fld>
             <a:endParaRPr lang="en-US"/>
           </a:p>
@@ -4916,7 +4916,7 @@
           <a:p>
             <a:fld id="{93C8B963-0F36-48FC-991E-AA63861DA924}" type="datetimeFigureOut">
               <a:rPr lang="en-US" smtClean="0"/>
-              <a:t>9/15/2022</a:t>
+              <a:t>9/20/2022</a:t>
             </a:fld>
             <a:endParaRPr lang="en-US"/>
           </a:p>
@@ -5171,7 +5171,7 @@
           <a:p>
             <a:fld id="{93C8B963-0F36-48FC-991E-AA63861DA924}" type="datetimeFigureOut">
               <a:rPr lang="en-US" smtClean="0"/>
-              <a:t>9/15/2022</a:t>
+              <a:t>9/20/2022</a:t>
             </a:fld>
             <a:endParaRPr lang="en-US"/>
           </a:p>
@@ -5471,7 +5471,7 @@
           <a:p>
             <a:fld id="{93C8B963-0F36-48FC-991E-AA63861DA924}" type="datetimeFigureOut">
               <a:rPr lang="en-US" smtClean="0"/>
-              <a:t>9/15/2022</a:t>
+              <a:t>9/20/2022</a:t>
             </a:fld>
             <a:endParaRPr lang="en-US"/>
           </a:p>
@@ -5705,7 +5705,7 @@
           <a:p>
             <a:fld id="{93C8B963-0F36-48FC-991E-AA63861DA924}" type="datetimeFigureOut">
               <a:rPr lang="en-US" smtClean="0"/>
-              <a:t>9/15/2022</a:t>
+              <a:t>9/20/2022</a:t>
             </a:fld>
             <a:endParaRPr lang="en-US"/>
           </a:p>
